--- a/Sample Report.pptx
+++ b/Sample Report.pptx
@@ -5,26 +5,18 @@
     <p:sldMasterId id="2147483648" r:id="rId1"/>
   </p:sldMasterIdLst>
   <p:notesMasterIdLst>
-    <p:notesMasterId r:id="rId7"/>
+    <p:notesMasterId r:id="rId8"/>
   </p:notesMasterIdLst>
   <p:sldIdLst>
     <p:sldId id="256" r:id="rId2"/>
     <p:sldId id="257" r:id="rId3"/>
-    <p:sldId id="259" r:id="rId4"/>
-    <p:sldId id="261" r:id="rId5"/>
-    <p:sldId id="262" r:id="rId6"/>
+    <p:sldId id="258" r:id="rId4"/>
+    <p:sldId id="259" r:id="rId5"/>
+    <p:sldId id="261" r:id="rId6"/>
+    <p:sldId id="262" r:id="rId7"/>
   </p:sldIdLst>
   <p:sldSz cx="12192000" cy="6858000"/>
   <p:notesSz cx="6858000" cy="9144000"/>
-  <p:embeddedFontLst>
-    <p:embeddedFont>
-      <p:font typeface="Poppins" panose="00000500000000000000" pitchFamily="2" charset="0"/>
-      <p:regular r:id="rId8"/>
-      <p:bold r:id="rId9"/>
-      <p:italic r:id="rId10"/>
-      <p:boldItalic r:id="rId11"/>
-    </p:embeddedFont>
-  </p:embeddedFontLst>
   <p:defaultTextStyle>
     <a:defPPr marR="0" lvl="0" algn="l" rtl="0">
       <a:lnSpc>
@@ -1668,6 +1660,110 @@
   <p:cSld>
     <p:spTree>
       <p:nvGrpSpPr>
+        <p:cNvPr id="1" name="Shape 201"/>
+        <p:cNvGrpSpPr/>
+        <p:nvPr/>
+      </p:nvGrpSpPr>
+      <p:grpSpPr>
+        <a:xfrm>
+          <a:off x="0" y="0"/>
+          <a:ext cx="0" cy="0"/>
+          <a:chOff x="0" y="0"/>
+          <a:chExt cx="0" cy="0"/>
+        </a:xfrm>
+      </p:grpSpPr>
+      <p:sp>
+        <p:nvSpPr>
+          <p:cNvPr id="202" name="Google Shape;202;p3:notes"/>
+          <p:cNvSpPr txBox="1">
+            <a:spLocks noGrp="1"/>
+          </p:cNvSpPr>
+          <p:nvPr>
+            <p:ph type="body" idx="1"/>
+          </p:nvPr>
+        </p:nvSpPr>
+        <p:spPr>
+          <a:xfrm>
+            <a:off x="685800" y="4400550"/>
+            <a:ext cx="5486400" cy="3600450"/>
+          </a:xfrm>
+          <a:prstGeom prst="rect">
+            <a:avLst/>
+          </a:prstGeom>
+        </p:spPr>
+        <p:txBody>
+          <a:bodyPr spcFirstLastPara="1" wrap="square" lIns="91425" tIns="45700" rIns="91425" bIns="45700" anchor="t" anchorCtr="0">
+            <a:noAutofit/>
+          </a:bodyPr>
+          <a:lstStyle/>
+          <a:p>
+            <a:pPr marL="0" lvl="0" indent="0" algn="l" rtl="0">
+              <a:spcBef>
+                <a:spcPts val="0"/>
+              </a:spcBef>
+              <a:spcAft>
+                <a:spcPts val="0"/>
+              </a:spcAft>
+              <a:buNone/>
+            </a:pPr>
+            <a:endParaRPr/>
+          </a:p>
+        </p:txBody>
+      </p:sp>
+      <p:sp>
+        <p:nvSpPr>
+          <p:cNvPr id="203" name="Google Shape;203;p3:notes"/>
+          <p:cNvSpPr>
+            <a:spLocks noGrp="1" noRot="1" noChangeAspect="1"/>
+          </p:cNvSpPr>
+          <p:nvPr>
+            <p:ph type="sldImg" idx="2"/>
+          </p:nvPr>
+        </p:nvSpPr>
+        <p:spPr>
+          <a:xfrm>
+            <a:off x="685800" y="1143000"/>
+            <a:ext cx="5486400" cy="3086100"/>
+          </a:xfrm>
+          <a:custGeom>
+            <a:avLst/>
+            <a:gdLst/>
+            <a:ahLst/>
+            <a:cxnLst/>
+            <a:rect l="l" t="t" r="r" b="b"/>
+            <a:pathLst>
+              <a:path w="120000" h="120000" extrusionOk="0">
+                <a:moveTo>
+                  <a:pt x="0" y="0"/>
+                </a:moveTo>
+                <a:lnTo>
+                  <a:pt x="120000" y="0"/>
+                </a:lnTo>
+                <a:lnTo>
+                  <a:pt x="120000" y="120000"/>
+                </a:lnTo>
+                <a:lnTo>
+                  <a:pt x="0" y="120000"/>
+                </a:lnTo>
+                <a:close/>
+              </a:path>
+            </a:pathLst>
+          </a:custGeom>
+        </p:spPr>
+      </p:sp>
+    </p:spTree>
+  </p:cSld>
+  <p:clrMapOvr>
+    <a:masterClrMapping/>
+  </p:clrMapOvr>
+</p:notes>
+</file>
+
+<file path=ppt/notesSlides/notesSlide4.xml><?xml version="1.0" encoding="utf-8"?>
+<p:notes xmlns:a="http://schemas.openxmlformats.org/drawingml/2006/main" xmlns:r="http://schemas.openxmlformats.org/officeDocument/2006/relationships" xmlns:p="http://schemas.openxmlformats.org/presentationml/2006/main" showMasterSp="0" showMasterPhAnim="0">
+  <p:cSld>
+    <p:spTree>
+      <p:nvGrpSpPr>
         <p:cNvPr id="1" name="Shape 220"/>
         <p:cNvGrpSpPr/>
         <p:nvPr/>
@@ -1767,7 +1863,7 @@
 </p:notes>
 </file>
 
-<file path=ppt/notesSlides/notesSlide4.xml><?xml version="1.0" encoding="utf-8"?>
+<file path=ppt/notesSlides/notesSlide5.xml><?xml version="1.0" encoding="utf-8"?>
 <p:notes xmlns:a="http://schemas.openxmlformats.org/drawingml/2006/main" xmlns:r="http://schemas.openxmlformats.org/officeDocument/2006/relationships" xmlns:p="http://schemas.openxmlformats.org/presentationml/2006/main" showMasterSp="0" showMasterPhAnim="0">
   <p:cSld>
     <p:spTree>
@@ -1871,7 +1967,7 @@
 </p:notes>
 </file>
 
-<file path=ppt/notesSlides/notesSlide5.xml><?xml version="1.0" encoding="utf-8"?>
+<file path=ppt/notesSlides/notesSlide6.xml><?xml version="1.0" encoding="utf-8"?>
 <p:notes xmlns:a="http://schemas.openxmlformats.org/drawingml/2006/main" xmlns:r="http://schemas.openxmlformats.org/officeDocument/2006/relationships" xmlns:p="http://schemas.openxmlformats.org/presentationml/2006/main" showMasterSp="0" showMasterPhAnim="0">
   <p:cSld>
     <p:spTree>
@@ -24080,7 +24176,7 @@
             </a:pPr>
             <a:r>
               <a:rPr lang="en-US" sz="5400" dirty="0"/>
-              <a:t>Employee Attrition Analysis</a:t>
+              <a:t>Analyzing Amazon Sales data</a:t>
             </a:r>
             <a:endParaRPr dirty="0"/>
           </a:p>
@@ -24091,7 +24187,7 @@
           <p:cNvPr id="2" name="TextBox 1">
             <a:extLst>
               <a:ext uri="{FF2B5EF4-FFF2-40B4-BE49-F238E27FC236}">
-                <a16:creationId xmlns:a16="http://schemas.microsoft.com/office/drawing/2014/main" id="{A5A8D7A7-F179-EB0D-00DB-C3B40AB5F4BD}"/>
+                <a16:creationId xmlns:a16="http://schemas.microsoft.com/office/drawing/2014/main" id="{8A2C2242-8C76-432E-344D-ED2C474754A8}"/>
               </a:ext>
             </a:extLst>
           </p:cNvPr>
@@ -24100,8 +24196,8 @@
         </p:nvSpPr>
         <p:spPr>
           <a:xfrm>
-            <a:off x="5767754" y="3683977"/>
-            <a:ext cx="4492869" cy="461665"/>
+            <a:off x="5635869" y="3509963"/>
+            <a:ext cx="3700052" cy="523220"/>
           </a:xfrm>
           <a:prstGeom prst="rect">
             <a:avLst/>
@@ -24109,14 +24205,14 @@
           <a:noFill/>
         </p:spPr>
         <p:txBody>
-          <a:bodyPr wrap="square" rtlCol="0">
+          <a:bodyPr wrap="none" rtlCol="0">
             <a:spAutoFit/>
           </a:bodyPr>
           <a:lstStyle/>
           <a:p>
             <a:r>
-              <a:rPr lang="en-IN" sz="2400" dirty="0"/>
-              <a:t>Data analytics Project</a:t>
+              <a:rPr lang="en-IN" sz="2800" dirty="0"/>
+              <a:t>Data Analytics Project</a:t>
             </a:r>
           </a:p>
         </p:txBody>
@@ -24225,7 +24321,7 @@
         </p:spPr>
         <p:txBody>
           <a:bodyPr spcFirstLastPara="1" wrap="square" lIns="91425" tIns="45700" rIns="91425" bIns="45700" anchor="t" anchorCtr="0">
-            <a:normAutofit fontScale="92500" lnSpcReduction="10000"/>
+            <a:normAutofit fontScale="77500" lnSpcReduction="20000"/>
           </a:bodyPr>
           <a:lstStyle/>
           <a:p>
@@ -24246,13 +24342,8 @@
               <a:buNone/>
             </a:pPr>
             <a:r>
-              <a:rPr lang="en-US" sz="1800" dirty="0">
-                <a:latin typeface="Poppins"/>
-                <a:ea typeface="Poppins"/>
-                <a:cs typeface="Poppins"/>
-                <a:sym typeface="Poppins"/>
-              </a:rPr>
-              <a:t>XYZ company which was established a few years back is facing around a 15% attrition rate for</a:t>
+              <a:rPr lang="en-US" dirty="0"/>
+              <a:t>Sales management has gained importance to meet increasing competition and the</a:t>
             </a:r>
           </a:p>
           <a:p>
@@ -24273,13 +24364,8 @@
               <a:buNone/>
             </a:pPr>
             <a:r>
-              <a:rPr lang="en-US" sz="1800" dirty="0">
-                <a:latin typeface="Poppins"/>
-                <a:ea typeface="Poppins"/>
-                <a:cs typeface="Poppins"/>
-                <a:sym typeface="Poppins"/>
-              </a:rPr>
-              <a:t>a couple of years. And it's majorly affecting the company in many aspects. In order to</a:t>
+              <a:rPr lang="en-US" dirty="0"/>
+              <a:t>need for improved methods of distribution to reduce cost and to increase profits. Sales</a:t>
             </a:r>
           </a:p>
           <a:p>
@@ -24300,13 +24386,8 @@
               <a:buNone/>
             </a:pPr>
             <a:r>
-              <a:rPr lang="en-US" sz="1800" dirty="0">
-                <a:latin typeface="Poppins"/>
-                <a:ea typeface="Poppins"/>
-                <a:cs typeface="Poppins"/>
-                <a:sym typeface="Poppins"/>
-              </a:rPr>
-              <a:t>understand why employees are leaving the company and reduce the attrition rate XYZ</a:t>
+              <a:rPr lang="en-US" dirty="0"/>
+              <a:t>management today is the most important function in a commercial and business</a:t>
             </a:r>
           </a:p>
           <a:p>
@@ -24327,13 +24408,8 @@
               <a:buNone/>
             </a:pPr>
             <a:r>
-              <a:rPr lang="en-US" sz="1800" dirty="0">
-                <a:latin typeface="Poppins"/>
-                <a:ea typeface="Poppins"/>
-                <a:cs typeface="Poppins"/>
-                <a:sym typeface="Poppins"/>
-              </a:rPr>
-              <a:t>company has approached an HR analytics consultancy for analyzing the data they have. You</a:t>
+              <a:rPr lang="en-US" dirty="0"/>
+              <a:t>enterprise.</a:t>
             </a:r>
           </a:p>
           <a:p>
@@ -24354,13 +24430,8 @@
               <a:buNone/>
             </a:pPr>
             <a:r>
-              <a:rPr lang="en-US" sz="1800" dirty="0">
-                <a:latin typeface="Poppins"/>
-                <a:ea typeface="Poppins"/>
-                <a:cs typeface="Poppins"/>
-                <a:sym typeface="Poppins"/>
-              </a:rPr>
-              <a:t>are playing the HR analyst role in this project and building a dashboard which can help the</a:t>
+              <a:rPr lang="en-US" dirty="0"/>
+              <a:t>Do ETL: Extract-Transform-Load some Amazon dataset and find for me</a:t>
             </a:r>
           </a:p>
           <a:p>
@@ -24381,13 +24452,60 @@
               <a:buNone/>
             </a:pPr>
             <a:r>
-              <a:rPr lang="en-US" sz="1800" dirty="0">
-                <a:latin typeface="Poppins"/>
-                <a:ea typeface="Poppins"/>
-                <a:cs typeface="Poppins"/>
-                <a:sym typeface="Poppins"/>
-              </a:rPr>
-              <a:t>organization in making data-driven decisions.</a:t>
+              <a:rPr lang="en-US" dirty="0"/>
+              <a:t>Sales-trend -&gt; month-wise, year-wise, </a:t>
+            </a:r>
+            <a:r>
+              <a:rPr lang="en-US" dirty="0" err="1"/>
+              <a:t>yearly_month</a:t>
+            </a:r>
+            <a:r>
+              <a:rPr lang="en-US" dirty="0"/>
+              <a:t>-wise</a:t>
+            </a:r>
+          </a:p>
+          <a:p>
+            <a:pPr marL="0" lvl="0" indent="0" algn="l" rtl="0">
+              <a:lnSpc>
+                <a:spcPct val="150000"/>
+              </a:lnSpc>
+              <a:spcBef>
+                <a:spcPts val="0"/>
+              </a:spcBef>
+              <a:spcAft>
+                <a:spcPts val="0"/>
+              </a:spcAft>
+              <a:buClr>
+                <a:schemeClr val="lt1"/>
+              </a:buClr>
+              <a:buSzPts val="1800"/>
+              <a:buNone/>
+            </a:pPr>
+            <a:r>
+              <a:rPr lang="en-US" dirty="0"/>
+              <a:t>Find key metrics and factors and show the meaningful relationships between</a:t>
+            </a:r>
+          </a:p>
+          <a:p>
+            <a:pPr marL="0" lvl="0" indent="0" algn="l" rtl="0">
+              <a:lnSpc>
+                <a:spcPct val="150000"/>
+              </a:lnSpc>
+              <a:spcBef>
+                <a:spcPts val="0"/>
+              </a:spcBef>
+              <a:spcAft>
+                <a:spcPts val="0"/>
+              </a:spcAft>
+              <a:buClr>
+                <a:schemeClr val="lt1"/>
+              </a:buClr>
+              <a:buSzPts val="1800"/>
+              <a:buNone/>
+            </a:pPr>
+            <a:r>
+              <a:rPr lang="en-US" dirty="0"/>
+              <a:t>attributes. Do your own research and come up with your findings.</a:t>
             </a:r>
             <a:endParaRPr dirty="0"/>
           </a:p>
@@ -24540,6 +24658,1631 @@
 </file>
 
 <file path=ppt/slides/slide3.xml><?xml version="1.0" encoding="utf-8"?>
+<p:sld xmlns:a="http://schemas.openxmlformats.org/drawingml/2006/main" xmlns:r="http://schemas.openxmlformats.org/officeDocument/2006/relationships" xmlns:p="http://schemas.openxmlformats.org/presentationml/2006/main">
+  <p:cSld>
+    <p:spTree>
+      <p:nvGrpSpPr>
+        <p:cNvPr id="1" name="Shape 204"/>
+        <p:cNvGrpSpPr/>
+        <p:nvPr/>
+      </p:nvGrpSpPr>
+      <p:grpSpPr>
+        <a:xfrm>
+          <a:off x="0" y="0"/>
+          <a:ext cx="0" cy="0"/>
+          <a:chOff x="0" y="0"/>
+          <a:chExt cx="0" cy="0"/>
+        </a:xfrm>
+      </p:grpSpPr>
+      <p:sp>
+        <p:nvSpPr>
+          <p:cNvPr id="205" name="Google Shape;205;p3"/>
+          <p:cNvSpPr txBox="1">
+            <a:spLocks noGrp="1"/>
+          </p:cNvSpPr>
+          <p:nvPr>
+            <p:ph type="title"/>
+          </p:nvPr>
+        </p:nvSpPr>
+        <p:spPr>
+          <a:xfrm>
+            <a:off x="1167492" y="381000"/>
+            <a:ext cx="9779183" cy="1325563"/>
+          </a:xfrm>
+          <a:prstGeom prst="rect">
+            <a:avLst/>
+          </a:prstGeom>
+          <a:noFill/>
+          <a:ln>
+            <a:noFill/>
+          </a:ln>
+        </p:spPr>
+        <p:txBody>
+          <a:bodyPr spcFirstLastPara="1" wrap="square" lIns="91425" tIns="45700" rIns="91425" bIns="45700" anchor="b" anchorCtr="0">
+            <a:noAutofit/>
+          </a:bodyPr>
+          <a:lstStyle/>
+          <a:p>
+            <a:pPr marL="0" lvl="0" indent="0" algn="l" rtl="0">
+              <a:lnSpc>
+                <a:spcPct val="90000"/>
+              </a:lnSpc>
+              <a:spcBef>
+                <a:spcPts val="0"/>
+              </a:spcBef>
+              <a:spcAft>
+                <a:spcPts val="0"/>
+              </a:spcAft>
+              <a:buClr>
+                <a:schemeClr val="dk1"/>
+              </a:buClr>
+              <a:buSzPts val="4800"/>
+              <a:buFont typeface="Arial"/>
+              <a:buNone/>
+            </a:pPr>
+            <a:r>
+              <a:rPr lang="en-US" dirty="0"/>
+              <a:t>Details of Data</a:t>
+            </a:r>
+            <a:endParaRPr dirty="0"/>
+          </a:p>
+        </p:txBody>
+      </p:sp>
+      <p:sp>
+        <p:nvSpPr>
+          <p:cNvPr id="206" name="Google Shape;206;p3"/>
+          <p:cNvSpPr txBox="1">
+            <a:spLocks noGrp="1"/>
+          </p:cNvSpPr>
+          <p:nvPr>
+            <p:ph type="dt" idx="10"/>
+          </p:nvPr>
+        </p:nvSpPr>
+        <p:spPr>
+          <a:xfrm>
+            <a:off x="381000" y="6356350"/>
+            <a:ext cx="2743200" cy="365125"/>
+          </a:xfrm>
+          <a:prstGeom prst="rect">
+            <a:avLst/>
+          </a:prstGeom>
+          <a:noFill/>
+          <a:ln>
+            <a:noFill/>
+          </a:ln>
+        </p:spPr>
+        <p:txBody>
+          <a:bodyPr spcFirstLastPara="1" wrap="square" lIns="91425" tIns="45700" rIns="91425" bIns="45700" anchor="ctr" anchorCtr="0">
+            <a:noAutofit/>
+          </a:bodyPr>
+          <a:lstStyle/>
+          <a:p>
+            <a:pPr marL="0" lvl="0" indent="0" algn="l" rtl="0">
+              <a:spcBef>
+                <a:spcPts val="0"/>
+              </a:spcBef>
+              <a:spcAft>
+                <a:spcPts val="0"/>
+              </a:spcAft>
+              <a:buNone/>
+            </a:pPr>
+            <a:r>
+              <a:rPr lang="en-US"/>
+              <a:t>1/1/2023</a:t>
+            </a:r>
+            <a:endParaRPr/>
+          </a:p>
+        </p:txBody>
+      </p:sp>
+      <p:sp>
+        <p:nvSpPr>
+          <p:cNvPr id="207" name="Google Shape;207;p3"/>
+          <p:cNvSpPr txBox="1">
+            <a:spLocks noGrp="1"/>
+          </p:cNvSpPr>
+          <p:nvPr>
+            <p:ph type="ftr" idx="11"/>
+          </p:nvPr>
+        </p:nvSpPr>
+        <p:spPr>
+          <a:xfrm>
+            <a:off x="4038600" y="6356350"/>
+            <a:ext cx="4114800" cy="365125"/>
+          </a:xfrm>
+          <a:prstGeom prst="rect">
+            <a:avLst/>
+          </a:prstGeom>
+          <a:noFill/>
+          <a:ln>
+            <a:noFill/>
+          </a:ln>
+        </p:spPr>
+        <p:txBody>
+          <a:bodyPr spcFirstLastPara="1" wrap="square" lIns="91425" tIns="45700" rIns="91425" bIns="45700" anchor="ctr" anchorCtr="0">
+            <a:noAutofit/>
+          </a:bodyPr>
+          <a:lstStyle/>
+          <a:p>
+            <a:pPr marL="0" lvl="0" indent="0" algn="ctr" rtl="0">
+              <a:spcBef>
+                <a:spcPts val="0"/>
+              </a:spcBef>
+              <a:spcAft>
+                <a:spcPts val="0"/>
+              </a:spcAft>
+              <a:buNone/>
+            </a:pPr>
+            <a:r>
+              <a:rPr lang="en-US"/>
+              <a:t>PRESENTATION TITLE</a:t>
+            </a:r>
+            <a:endParaRPr/>
+          </a:p>
+        </p:txBody>
+      </p:sp>
+      <p:sp>
+        <p:nvSpPr>
+          <p:cNvPr id="208" name="Google Shape;208;p3"/>
+          <p:cNvSpPr txBox="1">
+            <a:spLocks noGrp="1"/>
+          </p:cNvSpPr>
+          <p:nvPr>
+            <p:ph type="sldNum" idx="12"/>
+          </p:nvPr>
+        </p:nvSpPr>
+        <p:spPr>
+          <a:xfrm>
+            <a:off x="10153276" y="6356350"/>
+            <a:ext cx="1657723" cy="365125"/>
+          </a:xfrm>
+          <a:prstGeom prst="rect">
+            <a:avLst/>
+          </a:prstGeom>
+          <a:noFill/>
+          <a:ln>
+            <a:noFill/>
+          </a:ln>
+        </p:spPr>
+        <p:txBody>
+          <a:bodyPr spcFirstLastPara="1" wrap="square" lIns="91425" tIns="45700" rIns="91425" bIns="45700" anchor="ctr" anchorCtr="0">
+            <a:noAutofit/>
+          </a:bodyPr>
+          <a:lstStyle/>
+          <a:p>
+            <a:pPr marL="0" lvl="0" indent="0" algn="r" rtl="0">
+              <a:spcBef>
+                <a:spcPts val="0"/>
+              </a:spcBef>
+              <a:spcAft>
+                <a:spcPts val="0"/>
+              </a:spcAft>
+              <a:buNone/>
+            </a:pPr>
+            <a:fld id="{00000000-1234-1234-1234-123412341234}" type="slidenum">
+              <a:rPr lang="en-US"/>
+              <a:t>3</a:t>
+            </a:fld>
+            <a:endParaRPr/>
+          </a:p>
+        </p:txBody>
+      </p:sp>
+      <p:sp>
+        <p:nvSpPr>
+          <p:cNvPr id="209" name="Google Shape;209;p3"/>
+          <p:cNvSpPr txBox="1">
+            <a:spLocks noGrp="1"/>
+          </p:cNvSpPr>
+          <p:nvPr>
+            <p:ph type="body" idx="3"/>
+          </p:nvPr>
+        </p:nvSpPr>
+        <p:spPr>
+          <a:xfrm>
+            <a:off x="11539726" y="3986784"/>
+            <a:ext cx="257331" cy="216982"/>
+          </a:xfrm>
+          <a:prstGeom prst="rect">
+            <a:avLst/>
+          </a:prstGeom>
+          <a:noFill/>
+          <a:ln>
+            <a:noFill/>
+          </a:ln>
+        </p:spPr>
+        <p:txBody>
+          <a:bodyPr spcFirstLastPara="1" wrap="square" lIns="91425" tIns="45700" rIns="91425" bIns="45700" anchor="t" anchorCtr="0">
+            <a:noAutofit/>
+          </a:bodyPr>
+          <a:lstStyle/>
+          <a:p>
+            <a:pPr marL="0" lvl="0" indent="0" algn="l" rtl="0">
+              <a:lnSpc>
+                <a:spcPct val="90000"/>
+              </a:lnSpc>
+              <a:spcBef>
+                <a:spcPts val="0"/>
+              </a:spcBef>
+              <a:spcAft>
+                <a:spcPts val="0"/>
+              </a:spcAft>
+              <a:buClr>
+                <a:schemeClr val="dk1"/>
+              </a:buClr>
+              <a:buSzPts val="2400"/>
+              <a:buNone/>
+            </a:pPr>
+            <a:r>
+              <a:rPr lang="en-US"/>
+              <a:t> </a:t>
+            </a:r>
+            <a:endParaRPr/>
+          </a:p>
+        </p:txBody>
+      </p:sp>
+      <p:sp>
+        <p:nvSpPr>
+          <p:cNvPr id="210" name="Google Shape;210;p3"/>
+          <p:cNvSpPr txBox="1">
+            <a:spLocks noGrp="1"/>
+          </p:cNvSpPr>
+          <p:nvPr>
+            <p:ph type="body" idx="2"/>
+          </p:nvPr>
+        </p:nvSpPr>
+        <p:spPr>
+          <a:xfrm flipH="1">
+            <a:off x="10946674" y="3986784"/>
+            <a:ext cx="593053" cy="1370032"/>
+          </a:xfrm>
+          <a:prstGeom prst="rect">
+            <a:avLst/>
+          </a:prstGeom>
+          <a:noFill/>
+          <a:ln>
+            <a:noFill/>
+          </a:ln>
+        </p:spPr>
+        <p:txBody>
+          <a:bodyPr spcFirstLastPara="1" wrap="square" lIns="91425" tIns="45700" rIns="91425" bIns="45700" anchor="t" anchorCtr="0">
+            <a:noAutofit/>
+          </a:bodyPr>
+          <a:lstStyle/>
+          <a:p>
+            <a:pPr marL="0" lvl="0" indent="0" algn="l" rtl="0">
+              <a:lnSpc>
+                <a:spcPct val="90000"/>
+              </a:lnSpc>
+              <a:spcBef>
+                <a:spcPts val="0"/>
+              </a:spcBef>
+              <a:spcAft>
+                <a:spcPts val="0"/>
+              </a:spcAft>
+              <a:buClr>
+                <a:schemeClr val="dk1"/>
+              </a:buClr>
+              <a:buSzPts val="2000"/>
+              <a:buNone/>
+            </a:pPr>
+            <a:r>
+              <a:rPr lang="en-US"/>
+              <a:t> </a:t>
+            </a:r>
+            <a:endParaRPr/>
+          </a:p>
+        </p:txBody>
+      </p:sp>
+      <p:sp>
+        <p:nvSpPr>
+          <p:cNvPr id="211" name="Google Shape;211;p3"/>
+          <p:cNvSpPr txBox="1">
+            <a:spLocks noGrp="1"/>
+          </p:cNvSpPr>
+          <p:nvPr>
+            <p:ph type="body" idx="4"/>
+          </p:nvPr>
+        </p:nvSpPr>
+        <p:spPr>
+          <a:xfrm rot="10800000" flipH="1">
+            <a:off x="10469879" y="2528202"/>
+            <a:ext cx="476795" cy="153515"/>
+          </a:xfrm>
+          <a:prstGeom prst="rect">
+            <a:avLst/>
+          </a:prstGeom>
+          <a:noFill/>
+          <a:ln>
+            <a:noFill/>
+          </a:ln>
+        </p:spPr>
+        <p:txBody>
+          <a:bodyPr spcFirstLastPara="1" wrap="square" lIns="91425" tIns="45700" rIns="91425" bIns="45700" anchor="t" anchorCtr="0">
+            <a:noAutofit/>
+          </a:bodyPr>
+          <a:lstStyle/>
+          <a:p>
+            <a:pPr marL="0" lvl="0" indent="0" algn="l" rtl="0">
+              <a:lnSpc>
+                <a:spcPct val="90000"/>
+              </a:lnSpc>
+              <a:spcBef>
+                <a:spcPts val="0"/>
+              </a:spcBef>
+              <a:spcAft>
+                <a:spcPts val="0"/>
+              </a:spcAft>
+              <a:buClr>
+                <a:schemeClr val="dk1"/>
+              </a:buClr>
+              <a:buSzPts val="2400"/>
+              <a:buNone/>
+            </a:pPr>
+            <a:r>
+              <a:rPr lang="en-US"/>
+              <a:t> </a:t>
+            </a:r>
+            <a:endParaRPr/>
+          </a:p>
+        </p:txBody>
+      </p:sp>
+      <p:sp>
+        <p:nvSpPr>
+          <p:cNvPr id="212" name="Google Shape;212;p3"/>
+          <p:cNvSpPr txBox="1">
+            <a:spLocks noGrp="1"/>
+          </p:cNvSpPr>
+          <p:nvPr>
+            <p:ph type="body" idx="1"/>
+          </p:nvPr>
+        </p:nvSpPr>
+        <p:spPr>
+          <a:xfrm rot="10800000">
+            <a:off x="5830931" y="5193649"/>
+            <a:ext cx="1240428" cy="1015127"/>
+          </a:xfrm>
+          <a:prstGeom prst="rect">
+            <a:avLst/>
+          </a:prstGeom>
+          <a:noFill/>
+          <a:ln>
+            <a:noFill/>
+          </a:ln>
+        </p:spPr>
+        <p:txBody>
+          <a:bodyPr spcFirstLastPara="1" wrap="square" lIns="91425" tIns="45700" rIns="91425" bIns="45700" anchor="t" anchorCtr="0">
+            <a:noAutofit/>
+          </a:bodyPr>
+          <a:lstStyle/>
+          <a:p>
+            <a:pPr marL="0" lvl="0" indent="0" algn="l" rtl="0">
+              <a:lnSpc>
+                <a:spcPct val="90000"/>
+              </a:lnSpc>
+              <a:spcBef>
+                <a:spcPts val="0"/>
+              </a:spcBef>
+              <a:spcAft>
+                <a:spcPts val="0"/>
+              </a:spcAft>
+              <a:buClr>
+                <a:schemeClr val="dk1"/>
+              </a:buClr>
+              <a:buSzPts val="2000"/>
+              <a:buNone/>
+            </a:pPr>
+            <a:r>
+              <a:rPr lang="en-US"/>
+              <a:t> </a:t>
+            </a:r>
+            <a:endParaRPr/>
+          </a:p>
+        </p:txBody>
+      </p:sp>
+      <p:sp>
+        <p:nvSpPr>
+          <p:cNvPr id="2" name="Oval 1">
+            <a:extLst>
+              <a:ext uri="{FF2B5EF4-FFF2-40B4-BE49-F238E27FC236}">
+                <a16:creationId xmlns:a16="http://schemas.microsoft.com/office/drawing/2014/main" id="{75E1B893-DA1A-3A28-C2FE-CDA358F0F003}"/>
+              </a:ext>
+            </a:extLst>
+          </p:cNvPr>
+          <p:cNvSpPr/>
+          <p:nvPr/>
+        </p:nvSpPr>
+        <p:spPr>
+          <a:xfrm>
+            <a:off x="1324163" y="2003429"/>
+            <a:ext cx="114300" cy="114300"/>
+          </a:xfrm>
+          <a:prstGeom prst="ellipse">
+            <a:avLst/>
+          </a:prstGeom>
+        </p:spPr>
+        <p:style>
+          <a:lnRef idx="2">
+            <a:schemeClr val="accent1">
+              <a:shade val="15000"/>
+            </a:schemeClr>
+          </a:lnRef>
+          <a:fillRef idx="1">
+            <a:schemeClr val="accent1"/>
+          </a:fillRef>
+          <a:effectRef idx="0">
+            <a:schemeClr val="accent1"/>
+          </a:effectRef>
+          <a:fontRef idx="minor">
+            <a:schemeClr val="lt1"/>
+          </a:fontRef>
+        </p:style>
+        <p:txBody>
+          <a:bodyPr rtlCol="0" anchor="ctr"/>
+          <a:lstStyle/>
+          <a:p>
+            <a:pPr algn="ctr"/>
+            <a:endParaRPr lang="en-IN"/>
+          </a:p>
+        </p:txBody>
+      </p:sp>
+      <p:sp>
+        <p:nvSpPr>
+          <p:cNvPr id="3" name="Oval 2">
+            <a:extLst>
+              <a:ext uri="{FF2B5EF4-FFF2-40B4-BE49-F238E27FC236}">
+                <a16:creationId xmlns:a16="http://schemas.microsoft.com/office/drawing/2014/main" id="{CC7DF9E8-6897-37D8-4CFF-EC9F98DEFBB8}"/>
+              </a:ext>
+            </a:extLst>
+          </p:cNvPr>
+          <p:cNvSpPr/>
+          <p:nvPr/>
+        </p:nvSpPr>
+        <p:spPr>
+          <a:xfrm>
+            <a:off x="1324163" y="2836099"/>
+            <a:ext cx="114300" cy="114300"/>
+          </a:xfrm>
+          <a:prstGeom prst="ellipse">
+            <a:avLst/>
+          </a:prstGeom>
+        </p:spPr>
+        <p:style>
+          <a:lnRef idx="2">
+            <a:schemeClr val="accent1">
+              <a:shade val="15000"/>
+            </a:schemeClr>
+          </a:lnRef>
+          <a:fillRef idx="1">
+            <a:schemeClr val="accent1"/>
+          </a:fillRef>
+          <a:effectRef idx="0">
+            <a:schemeClr val="accent1"/>
+          </a:effectRef>
+          <a:fontRef idx="minor">
+            <a:schemeClr val="lt1"/>
+          </a:fontRef>
+        </p:style>
+        <p:txBody>
+          <a:bodyPr rtlCol="0" anchor="ctr"/>
+          <a:lstStyle/>
+          <a:p>
+            <a:pPr algn="ctr"/>
+            <a:endParaRPr lang="en-IN"/>
+          </a:p>
+        </p:txBody>
+      </p:sp>
+      <p:sp>
+        <p:nvSpPr>
+          <p:cNvPr id="4" name="Oval 3">
+            <a:extLst>
+              <a:ext uri="{FF2B5EF4-FFF2-40B4-BE49-F238E27FC236}">
+                <a16:creationId xmlns:a16="http://schemas.microsoft.com/office/drawing/2014/main" id="{7EAE19C3-EC63-ABE1-FCF8-736BDD78F1FA}"/>
+              </a:ext>
+            </a:extLst>
+          </p:cNvPr>
+          <p:cNvSpPr/>
+          <p:nvPr/>
+        </p:nvSpPr>
+        <p:spPr>
+          <a:xfrm>
+            <a:off x="1324163" y="3868678"/>
+            <a:ext cx="114300" cy="114300"/>
+          </a:xfrm>
+          <a:prstGeom prst="ellipse">
+            <a:avLst/>
+          </a:prstGeom>
+        </p:spPr>
+        <p:style>
+          <a:lnRef idx="2">
+            <a:schemeClr val="accent1">
+              <a:shade val="15000"/>
+            </a:schemeClr>
+          </a:lnRef>
+          <a:fillRef idx="1">
+            <a:schemeClr val="accent1"/>
+          </a:fillRef>
+          <a:effectRef idx="0">
+            <a:schemeClr val="accent1"/>
+          </a:effectRef>
+          <a:fontRef idx="minor">
+            <a:schemeClr val="lt1"/>
+          </a:fontRef>
+        </p:style>
+        <p:txBody>
+          <a:bodyPr rtlCol="0" anchor="ctr"/>
+          <a:lstStyle/>
+          <a:p>
+            <a:pPr algn="ctr"/>
+            <a:endParaRPr lang="en-IN"/>
+          </a:p>
+        </p:txBody>
+      </p:sp>
+      <p:sp>
+        <p:nvSpPr>
+          <p:cNvPr id="5" name="Oval 4">
+            <a:extLst>
+              <a:ext uri="{FF2B5EF4-FFF2-40B4-BE49-F238E27FC236}">
+                <a16:creationId xmlns:a16="http://schemas.microsoft.com/office/drawing/2014/main" id="{52FB666A-1C52-C264-5996-B087FBBC4161}"/>
+              </a:ext>
+            </a:extLst>
+          </p:cNvPr>
+          <p:cNvSpPr/>
+          <p:nvPr/>
+        </p:nvSpPr>
+        <p:spPr>
+          <a:xfrm>
+            <a:off x="1328559" y="4830395"/>
+            <a:ext cx="114300" cy="114300"/>
+          </a:xfrm>
+          <a:prstGeom prst="ellipse">
+            <a:avLst/>
+          </a:prstGeom>
+        </p:spPr>
+        <p:style>
+          <a:lnRef idx="2">
+            <a:schemeClr val="accent1">
+              <a:shade val="15000"/>
+            </a:schemeClr>
+          </a:lnRef>
+          <a:fillRef idx="1">
+            <a:schemeClr val="accent1"/>
+          </a:fillRef>
+          <a:effectRef idx="0">
+            <a:schemeClr val="accent1"/>
+          </a:effectRef>
+          <a:fontRef idx="minor">
+            <a:schemeClr val="lt1"/>
+          </a:fontRef>
+        </p:style>
+        <p:txBody>
+          <a:bodyPr rtlCol="0" anchor="ctr"/>
+          <a:lstStyle/>
+          <a:p>
+            <a:pPr algn="ctr"/>
+            <a:endParaRPr lang="en-IN"/>
+          </a:p>
+        </p:txBody>
+      </p:sp>
+      <p:sp>
+        <p:nvSpPr>
+          <p:cNvPr id="7" name="TextBox 6">
+            <a:extLst>
+              <a:ext uri="{FF2B5EF4-FFF2-40B4-BE49-F238E27FC236}">
+                <a16:creationId xmlns:a16="http://schemas.microsoft.com/office/drawing/2014/main" id="{44E5DFCC-864E-8C44-1E3F-90FA4D8F93CE}"/>
+              </a:ext>
+            </a:extLst>
+          </p:cNvPr>
+          <p:cNvSpPr txBox="1"/>
+          <p:nvPr/>
+        </p:nvSpPr>
+        <p:spPr>
+          <a:xfrm>
+            <a:off x="1624602" y="1921913"/>
+            <a:ext cx="582211" cy="307777"/>
+          </a:xfrm>
+          <a:prstGeom prst="rect">
+            <a:avLst/>
+          </a:prstGeom>
+          <a:noFill/>
+        </p:spPr>
+        <p:txBody>
+          <a:bodyPr wrap="none" rtlCol="0">
+            <a:spAutoFit/>
+          </a:bodyPr>
+          <a:lstStyle/>
+          <a:p>
+            <a:r>
+              <a:rPr lang="en-IN" b="1" dirty="0"/>
+              <a:t>2011</a:t>
+            </a:r>
+          </a:p>
+        </p:txBody>
+      </p:sp>
+      <p:sp>
+        <p:nvSpPr>
+          <p:cNvPr id="9" name="TextBox 8">
+            <a:extLst>
+              <a:ext uri="{FF2B5EF4-FFF2-40B4-BE49-F238E27FC236}">
+                <a16:creationId xmlns:a16="http://schemas.microsoft.com/office/drawing/2014/main" id="{7B2C2BD8-34FF-EE28-7FBF-6FDA62192631}"/>
+              </a:ext>
+            </a:extLst>
+          </p:cNvPr>
+          <p:cNvSpPr txBox="1"/>
+          <p:nvPr/>
+        </p:nvSpPr>
+        <p:spPr>
+          <a:xfrm>
+            <a:off x="1624601" y="2738748"/>
+            <a:ext cx="582211" cy="307777"/>
+          </a:xfrm>
+          <a:prstGeom prst="rect">
+            <a:avLst/>
+          </a:prstGeom>
+          <a:noFill/>
+        </p:spPr>
+        <p:txBody>
+          <a:bodyPr wrap="none" rtlCol="0">
+            <a:spAutoFit/>
+          </a:bodyPr>
+          <a:lstStyle/>
+          <a:p>
+            <a:r>
+              <a:rPr lang="en-IN" b="1" dirty="0"/>
+              <a:t>2013</a:t>
+            </a:r>
+          </a:p>
+        </p:txBody>
+      </p:sp>
+      <p:sp>
+        <p:nvSpPr>
+          <p:cNvPr id="10" name="TextBox 9">
+            <a:extLst>
+              <a:ext uri="{FF2B5EF4-FFF2-40B4-BE49-F238E27FC236}">
+                <a16:creationId xmlns:a16="http://schemas.microsoft.com/office/drawing/2014/main" id="{40CF9F13-D96F-581C-67D1-7C4D377F7D5C}"/>
+              </a:ext>
+            </a:extLst>
+          </p:cNvPr>
+          <p:cNvSpPr txBox="1"/>
+          <p:nvPr/>
+        </p:nvSpPr>
+        <p:spPr>
+          <a:xfrm>
+            <a:off x="1624601" y="3765883"/>
+            <a:ext cx="582211" cy="307777"/>
+          </a:xfrm>
+          <a:prstGeom prst="rect">
+            <a:avLst/>
+          </a:prstGeom>
+          <a:noFill/>
+        </p:spPr>
+        <p:txBody>
+          <a:bodyPr wrap="none" rtlCol="0">
+            <a:spAutoFit/>
+          </a:bodyPr>
+          <a:lstStyle/>
+          <a:p>
+            <a:r>
+              <a:rPr lang="en-IN" b="1" dirty="0"/>
+              <a:t>2015</a:t>
+            </a:r>
+          </a:p>
+        </p:txBody>
+      </p:sp>
+      <p:sp>
+        <p:nvSpPr>
+          <p:cNvPr id="11" name="TextBox 10">
+            <a:extLst>
+              <a:ext uri="{FF2B5EF4-FFF2-40B4-BE49-F238E27FC236}">
+                <a16:creationId xmlns:a16="http://schemas.microsoft.com/office/drawing/2014/main" id="{099CD9BF-6F35-024C-EED7-7CBD9E6FEDB4}"/>
+              </a:ext>
+            </a:extLst>
+          </p:cNvPr>
+          <p:cNvSpPr txBox="1"/>
+          <p:nvPr/>
+        </p:nvSpPr>
+        <p:spPr>
+          <a:xfrm>
+            <a:off x="1592363" y="4733656"/>
+            <a:ext cx="582211" cy="307777"/>
+          </a:xfrm>
+          <a:prstGeom prst="rect">
+            <a:avLst/>
+          </a:prstGeom>
+          <a:noFill/>
+        </p:spPr>
+        <p:txBody>
+          <a:bodyPr wrap="none" rtlCol="0">
+            <a:spAutoFit/>
+          </a:bodyPr>
+          <a:lstStyle/>
+          <a:p>
+            <a:r>
+              <a:rPr lang="en-IN" b="1" dirty="0"/>
+              <a:t>2017</a:t>
+            </a:r>
+          </a:p>
+        </p:txBody>
+      </p:sp>
+      <p:cxnSp>
+        <p:nvCxnSpPr>
+          <p:cNvPr id="13" name="Straight Arrow Connector 12">
+            <a:extLst>
+              <a:ext uri="{FF2B5EF4-FFF2-40B4-BE49-F238E27FC236}">
+                <a16:creationId xmlns:a16="http://schemas.microsoft.com/office/drawing/2014/main" id="{B041E085-E54B-3D89-B2AD-43EC26075A71}"/>
+              </a:ext>
+            </a:extLst>
+          </p:cNvPr>
+          <p:cNvCxnSpPr>
+            <a:cxnSpLocks/>
+          </p:cNvCxnSpPr>
+          <p:nvPr/>
+        </p:nvCxnSpPr>
+        <p:spPr>
+          <a:xfrm>
+            <a:off x="2356338" y="2075801"/>
+            <a:ext cx="1424354" cy="0"/>
+          </a:xfrm>
+          <a:prstGeom prst="straightConnector1">
+            <a:avLst/>
+          </a:prstGeom>
+          <a:ln>
+            <a:tailEnd type="triangle"/>
+          </a:ln>
+        </p:spPr>
+        <p:style>
+          <a:lnRef idx="1">
+            <a:schemeClr val="accent1"/>
+          </a:lnRef>
+          <a:fillRef idx="0">
+            <a:schemeClr val="accent1"/>
+          </a:fillRef>
+          <a:effectRef idx="0">
+            <a:schemeClr val="accent1"/>
+          </a:effectRef>
+          <a:fontRef idx="minor">
+            <a:schemeClr val="tx1"/>
+          </a:fontRef>
+        </p:style>
+      </p:cxnSp>
+      <p:cxnSp>
+        <p:nvCxnSpPr>
+          <p:cNvPr id="15" name="Straight Arrow Connector 14">
+            <a:extLst>
+              <a:ext uri="{FF2B5EF4-FFF2-40B4-BE49-F238E27FC236}">
+                <a16:creationId xmlns:a16="http://schemas.microsoft.com/office/drawing/2014/main" id="{4E28A341-44E1-8399-2FFA-150459D4A74F}"/>
+              </a:ext>
+            </a:extLst>
+          </p:cNvPr>
+          <p:cNvCxnSpPr>
+            <a:cxnSpLocks/>
+          </p:cNvCxnSpPr>
+          <p:nvPr/>
+        </p:nvCxnSpPr>
+        <p:spPr>
+          <a:xfrm>
+            <a:off x="2356338" y="2892636"/>
+            <a:ext cx="1424354" cy="0"/>
+          </a:xfrm>
+          <a:prstGeom prst="straightConnector1">
+            <a:avLst/>
+          </a:prstGeom>
+          <a:ln>
+            <a:tailEnd type="triangle"/>
+          </a:ln>
+        </p:spPr>
+        <p:style>
+          <a:lnRef idx="1">
+            <a:schemeClr val="accent1"/>
+          </a:lnRef>
+          <a:fillRef idx="0">
+            <a:schemeClr val="accent1"/>
+          </a:fillRef>
+          <a:effectRef idx="0">
+            <a:schemeClr val="accent1"/>
+          </a:effectRef>
+          <a:fontRef idx="minor">
+            <a:schemeClr val="tx1"/>
+          </a:fontRef>
+        </p:style>
+      </p:cxnSp>
+      <p:cxnSp>
+        <p:nvCxnSpPr>
+          <p:cNvPr id="16" name="Straight Arrow Connector 15">
+            <a:extLst>
+              <a:ext uri="{FF2B5EF4-FFF2-40B4-BE49-F238E27FC236}">
+                <a16:creationId xmlns:a16="http://schemas.microsoft.com/office/drawing/2014/main" id="{5AD49332-11BC-E058-8C9F-A238CF3FC4C1}"/>
+              </a:ext>
+            </a:extLst>
+          </p:cNvPr>
+          <p:cNvCxnSpPr>
+            <a:cxnSpLocks/>
+          </p:cNvCxnSpPr>
+          <p:nvPr/>
+        </p:nvCxnSpPr>
+        <p:spPr>
+          <a:xfrm>
+            <a:off x="2356338" y="3919771"/>
+            <a:ext cx="1424354" cy="0"/>
+          </a:xfrm>
+          <a:prstGeom prst="straightConnector1">
+            <a:avLst/>
+          </a:prstGeom>
+          <a:ln>
+            <a:tailEnd type="triangle"/>
+          </a:ln>
+        </p:spPr>
+        <p:style>
+          <a:lnRef idx="1">
+            <a:schemeClr val="accent1"/>
+          </a:lnRef>
+          <a:fillRef idx="0">
+            <a:schemeClr val="accent1"/>
+          </a:fillRef>
+          <a:effectRef idx="0">
+            <a:schemeClr val="accent1"/>
+          </a:effectRef>
+          <a:fontRef idx="minor">
+            <a:schemeClr val="tx1"/>
+          </a:fontRef>
+        </p:style>
+      </p:cxnSp>
+      <p:cxnSp>
+        <p:nvCxnSpPr>
+          <p:cNvPr id="17" name="Straight Arrow Connector 16">
+            <a:extLst>
+              <a:ext uri="{FF2B5EF4-FFF2-40B4-BE49-F238E27FC236}">
+                <a16:creationId xmlns:a16="http://schemas.microsoft.com/office/drawing/2014/main" id="{EB9AA787-CC71-C164-A769-F2971D486796}"/>
+              </a:ext>
+            </a:extLst>
+          </p:cNvPr>
+          <p:cNvCxnSpPr>
+            <a:cxnSpLocks/>
+          </p:cNvCxnSpPr>
+          <p:nvPr/>
+        </p:nvCxnSpPr>
+        <p:spPr>
+          <a:xfrm>
+            <a:off x="2356338" y="4887544"/>
+            <a:ext cx="1424354" cy="0"/>
+          </a:xfrm>
+          <a:prstGeom prst="straightConnector1">
+            <a:avLst/>
+          </a:prstGeom>
+          <a:ln>
+            <a:tailEnd type="triangle"/>
+          </a:ln>
+        </p:spPr>
+        <p:style>
+          <a:lnRef idx="1">
+            <a:schemeClr val="accent1"/>
+          </a:lnRef>
+          <a:fillRef idx="0">
+            <a:schemeClr val="accent1"/>
+          </a:fillRef>
+          <a:effectRef idx="0">
+            <a:schemeClr val="accent1"/>
+          </a:effectRef>
+          <a:fontRef idx="minor">
+            <a:schemeClr val="tx1"/>
+          </a:fontRef>
+        </p:style>
+      </p:cxnSp>
+      <p:cxnSp>
+        <p:nvCxnSpPr>
+          <p:cNvPr id="19" name="Straight Connector 18">
+            <a:extLst>
+              <a:ext uri="{FF2B5EF4-FFF2-40B4-BE49-F238E27FC236}">
+                <a16:creationId xmlns:a16="http://schemas.microsoft.com/office/drawing/2014/main" id="{5C8E47A8-A785-1121-DA36-2A6FEA44D0D8}"/>
+              </a:ext>
+            </a:extLst>
+          </p:cNvPr>
+          <p:cNvCxnSpPr/>
+          <p:nvPr/>
+        </p:nvCxnSpPr>
+        <p:spPr>
+          <a:xfrm>
+            <a:off x="3780692" y="2075801"/>
+            <a:ext cx="0" cy="2811743"/>
+          </a:xfrm>
+          <a:prstGeom prst="line">
+            <a:avLst/>
+          </a:prstGeom>
+        </p:spPr>
+        <p:style>
+          <a:lnRef idx="1">
+            <a:schemeClr val="accent1"/>
+          </a:lnRef>
+          <a:fillRef idx="0">
+            <a:schemeClr val="accent1"/>
+          </a:fillRef>
+          <a:effectRef idx="0">
+            <a:schemeClr val="accent1"/>
+          </a:effectRef>
+          <a:fontRef idx="minor">
+            <a:schemeClr val="tx1"/>
+          </a:fontRef>
+        </p:style>
+      </p:cxnSp>
+      <p:cxnSp>
+        <p:nvCxnSpPr>
+          <p:cNvPr id="21" name="Straight Arrow Connector 20">
+            <a:extLst>
+              <a:ext uri="{FF2B5EF4-FFF2-40B4-BE49-F238E27FC236}">
+                <a16:creationId xmlns:a16="http://schemas.microsoft.com/office/drawing/2014/main" id="{3CDC8204-0D19-4BEA-DE55-4A8DD2BA6ABD}"/>
+              </a:ext>
+            </a:extLst>
+          </p:cNvPr>
+          <p:cNvCxnSpPr/>
+          <p:nvPr/>
+        </p:nvCxnSpPr>
+        <p:spPr>
+          <a:xfrm>
+            <a:off x="3780692" y="3429000"/>
+            <a:ext cx="439616" cy="0"/>
+          </a:xfrm>
+          <a:prstGeom prst="straightConnector1">
+            <a:avLst/>
+          </a:prstGeom>
+          <a:ln>
+            <a:tailEnd type="triangle"/>
+          </a:ln>
+        </p:spPr>
+        <p:style>
+          <a:lnRef idx="1">
+            <a:schemeClr val="accent1"/>
+          </a:lnRef>
+          <a:fillRef idx="0">
+            <a:schemeClr val="accent1"/>
+          </a:fillRef>
+          <a:effectRef idx="0">
+            <a:schemeClr val="accent1"/>
+          </a:effectRef>
+          <a:fontRef idx="minor">
+            <a:schemeClr val="tx1"/>
+          </a:fontRef>
+        </p:style>
+      </p:cxnSp>
+      <p:sp>
+        <p:nvSpPr>
+          <p:cNvPr id="22" name="TextBox 21">
+            <a:extLst>
+              <a:ext uri="{FF2B5EF4-FFF2-40B4-BE49-F238E27FC236}">
+                <a16:creationId xmlns:a16="http://schemas.microsoft.com/office/drawing/2014/main" id="{1B49B8E8-561C-CEBE-C1B1-ECDDEF867E99}"/>
+              </a:ext>
+            </a:extLst>
+          </p:cNvPr>
+          <p:cNvSpPr txBox="1"/>
+          <p:nvPr/>
+        </p:nvSpPr>
+        <p:spPr>
+          <a:xfrm>
+            <a:off x="4517162" y="2003429"/>
+            <a:ext cx="1485891" cy="3046988"/>
+          </a:xfrm>
+          <a:prstGeom prst="rect">
+            <a:avLst/>
+          </a:prstGeom>
+          <a:noFill/>
+        </p:spPr>
+        <p:txBody>
+          <a:bodyPr wrap="square" rtlCol="0">
+            <a:spAutoFit/>
+          </a:bodyPr>
+          <a:lstStyle/>
+          <a:p>
+            <a:pPr marL="285750" indent="-285750">
+              <a:buFont typeface="Wingdings" panose="05000000000000000000" pitchFamily="2" charset="2"/>
+              <a:buChar char="Ø"/>
+            </a:pPr>
+            <a:r>
+              <a:rPr lang="en-IN" sz="1600" dirty="0"/>
+              <a:t>January</a:t>
+            </a:r>
+          </a:p>
+          <a:p>
+            <a:pPr marL="285750" indent="-285750">
+              <a:buFont typeface="Wingdings" panose="05000000000000000000" pitchFamily="2" charset="2"/>
+              <a:buChar char="Ø"/>
+            </a:pPr>
+            <a:r>
+              <a:rPr lang="en-IN" sz="1600" dirty="0"/>
+              <a:t>February</a:t>
+            </a:r>
+          </a:p>
+          <a:p>
+            <a:pPr marL="285750" indent="-285750">
+              <a:buFont typeface="Wingdings" panose="05000000000000000000" pitchFamily="2" charset="2"/>
+              <a:buChar char="Ø"/>
+            </a:pPr>
+            <a:r>
+              <a:rPr lang="en-IN" sz="1600" dirty="0"/>
+              <a:t>March</a:t>
+            </a:r>
+          </a:p>
+          <a:p>
+            <a:pPr marL="285750" indent="-285750">
+              <a:buFont typeface="Wingdings" panose="05000000000000000000" pitchFamily="2" charset="2"/>
+              <a:buChar char="Ø"/>
+            </a:pPr>
+            <a:r>
+              <a:rPr lang="en-IN" sz="1600" dirty="0"/>
+              <a:t>April</a:t>
+            </a:r>
+          </a:p>
+          <a:p>
+            <a:pPr marL="285750" indent="-285750">
+              <a:buFont typeface="Wingdings" panose="05000000000000000000" pitchFamily="2" charset="2"/>
+              <a:buChar char="Ø"/>
+            </a:pPr>
+            <a:r>
+              <a:rPr lang="en-IN" sz="1600" dirty="0"/>
+              <a:t>May</a:t>
+            </a:r>
+          </a:p>
+          <a:p>
+            <a:pPr marL="285750" indent="-285750">
+              <a:buFont typeface="Wingdings" panose="05000000000000000000" pitchFamily="2" charset="2"/>
+              <a:buChar char="Ø"/>
+            </a:pPr>
+            <a:r>
+              <a:rPr lang="en-IN" sz="1600" dirty="0"/>
+              <a:t>June</a:t>
+            </a:r>
+          </a:p>
+          <a:p>
+            <a:pPr marL="285750" indent="-285750">
+              <a:buFont typeface="Wingdings" panose="05000000000000000000" pitchFamily="2" charset="2"/>
+              <a:buChar char="Ø"/>
+            </a:pPr>
+            <a:r>
+              <a:rPr lang="en-IN" sz="1600" dirty="0"/>
+              <a:t>July</a:t>
+            </a:r>
+          </a:p>
+          <a:p>
+            <a:pPr marL="285750" indent="-285750">
+              <a:buFont typeface="Wingdings" panose="05000000000000000000" pitchFamily="2" charset="2"/>
+              <a:buChar char="Ø"/>
+            </a:pPr>
+            <a:r>
+              <a:rPr lang="en-IN" sz="1600" dirty="0"/>
+              <a:t>August</a:t>
+            </a:r>
+          </a:p>
+          <a:p>
+            <a:pPr marL="285750" indent="-285750">
+              <a:buFont typeface="Wingdings" panose="05000000000000000000" pitchFamily="2" charset="2"/>
+              <a:buChar char="Ø"/>
+            </a:pPr>
+            <a:r>
+              <a:rPr lang="en-IN" sz="1600" dirty="0"/>
+              <a:t>September</a:t>
+            </a:r>
+          </a:p>
+          <a:p>
+            <a:pPr marL="285750" indent="-285750">
+              <a:buFont typeface="Wingdings" panose="05000000000000000000" pitchFamily="2" charset="2"/>
+              <a:buChar char="Ø"/>
+            </a:pPr>
+            <a:r>
+              <a:rPr lang="en-IN" sz="1600" dirty="0"/>
+              <a:t>October</a:t>
+            </a:r>
+          </a:p>
+          <a:p>
+            <a:pPr marL="285750" indent="-285750">
+              <a:buFont typeface="Wingdings" panose="05000000000000000000" pitchFamily="2" charset="2"/>
+              <a:buChar char="Ø"/>
+            </a:pPr>
+            <a:r>
+              <a:rPr lang="en-IN" sz="1600" dirty="0"/>
+              <a:t>November</a:t>
+            </a:r>
+          </a:p>
+          <a:p>
+            <a:pPr marL="285750" indent="-285750">
+              <a:buFont typeface="Wingdings" panose="05000000000000000000" pitchFamily="2" charset="2"/>
+              <a:buChar char="Ø"/>
+            </a:pPr>
+            <a:r>
+              <a:rPr lang="en-IN" sz="1600" dirty="0"/>
+              <a:t>December</a:t>
+            </a:r>
+          </a:p>
+        </p:txBody>
+      </p:sp>
+      <p:cxnSp>
+        <p:nvCxnSpPr>
+          <p:cNvPr id="24" name="Straight Arrow Connector 23">
+            <a:extLst>
+              <a:ext uri="{FF2B5EF4-FFF2-40B4-BE49-F238E27FC236}">
+                <a16:creationId xmlns:a16="http://schemas.microsoft.com/office/drawing/2014/main" id="{0D8A34B9-01B8-B5C9-4B39-E46CF04D56AA}"/>
+              </a:ext>
+            </a:extLst>
+          </p:cNvPr>
+          <p:cNvCxnSpPr/>
+          <p:nvPr/>
+        </p:nvCxnSpPr>
+        <p:spPr>
+          <a:xfrm>
+            <a:off x="6189785" y="3429000"/>
+            <a:ext cx="659423" cy="0"/>
+          </a:xfrm>
+          <a:prstGeom prst="straightConnector1">
+            <a:avLst/>
+          </a:prstGeom>
+          <a:ln>
+            <a:tailEnd type="triangle"/>
+          </a:ln>
+        </p:spPr>
+        <p:style>
+          <a:lnRef idx="1">
+            <a:schemeClr val="accent1"/>
+          </a:lnRef>
+          <a:fillRef idx="0">
+            <a:schemeClr val="accent1"/>
+          </a:fillRef>
+          <a:effectRef idx="0">
+            <a:schemeClr val="accent1"/>
+          </a:effectRef>
+          <a:fontRef idx="minor">
+            <a:schemeClr val="tx1"/>
+          </a:fontRef>
+        </p:style>
+      </p:cxnSp>
+      <p:sp>
+        <p:nvSpPr>
+          <p:cNvPr id="25" name="TextBox 24">
+            <a:extLst>
+              <a:ext uri="{FF2B5EF4-FFF2-40B4-BE49-F238E27FC236}">
+                <a16:creationId xmlns:a16="http://schemas.microsoft.com/office/drawing/2014/main" id="{7408CB4F-9EBB-9763-3962-31A8B0B13C7B}"/>
+              </a:ext>
+            </a:extLst>
+          </p:cNvPr>
+          <p:cNvSpPr txBox="1"/>
+          <p:nvPr/>
+        </p:nvSpPr>
+        <p:spPr>
+          <a:xfrm>
+            <a:off x="7117005" y="2861905"/>
+            <a:ext cx="2055371" cy="1169551"/>
+          </a:xfrm>
+          <a:prstGeom prst="rect">
+            <a:avLst/>
+          </a:prstGeom>
+          <a:noFill/>
+        </p:spPr>
+        <p:txBody>
+          <a:bodyPr wrap="none" rtlCol="0">
+            <a:spAutoFit/>
+          </a:bodyPr>
+          <a:lstStyle/>
+          <a:p>
+            <a:pPr marL="285750" indent="-285750">
+              <a:buFont typeface="Wingdings" panose="05000000000000000000" pitchFamily="2" charset="2"/>
+              <a:buChar char="v"/>
+            </a:pPr>
+            <a:r>
+              <a:rPr lang="en-IN" dirty="0"/>
+              <a:t>Country </a:t>
+            </a:r>
+          </a:p>
+          <a:p>
+            <a:pPr marL="285750" indent="-285750">
+              <a:buFont typeface="Wingdings" panose="05000000000000000000" pitchFamily="2" charset="2"/>
+              <a:buChar char="v"/>
+            </a:pPr>
+            <a:r>
+              <a:rPr lang="en-IN" dirty="0"/>
+              <a:t>Region</a:t>
+            </a:r>
+          </a:p>
+          <a:p>
+            <a:pPr marL="285750" indent="-285750">
+              <a:buFont typeface="Wingdings" panose="05000000000000000000" pitchFamily="2" charset="2"/>
+              <a:buChar char="v"/>
+            </a:pPr>
+            <a:r>
+              <a:rPr lang="en-IN" dirty="0"/>
+              <a:t>Order by Date</a:t>
+            </a:r>
+          </a:p>
+          <a:p>
+            <a:pPr marL="285750" indent="-285750">
+              <a:buFont typeface="Wingdings" panose="05000000000000000000" pitchFamily="2" charset="2"/>
+              <a:buChar char="v"/>
+            </a:pPr>
+            <a:r>
+              <a:rPr lang="en-IN" dirty="0"/>
+              <a:t>Distribution of Items</a:t>
+            </a:r>
+          </a:p>
+          <a:p>
+            <a:pPr marL="285750" indent="-285750">
+              <a:buFont typeface="Wingdings" panose="05000000000000000000" pitchFamily="2" charset="2"/>
+              <a:buChar char="v"/>
+            </a:pPr>
+            <a:r>
+              <a:rPr lang="en-IN" dirty="0"/>
+              <a:t>Mode of Purchasing</a:t>
+            </a:r>
+          </a:p>
+        </p:txBody>
+      </p:sp>
+      <p:sp>
+        <p:nvSpPr>
+          <p:cNvPr id="28" name="Oval 27">
+            <a:extLst>
+              <a:ext uri="{FF2B5EF4-FFF2-40B4-BE49-F238E27FC236}">
+                <a16:creationId xmlns:a16="http://schemas.microsoft.com/office/drawing/2014/main" id="{91A8EC4A-CB43-4639-61E1-428457DC8B5C}"/>
+              </a:ext>
+            </a:extLst>
+          </p:cNvPr>
+          <p:cNvSpPr/>
+          <p:nvPr/>
+        </p:nvSpPr>
+        <p:spPr>
+          <a:xfrm>
+            <a:off x="1324163" y="2448352"/>
+            <a:ext cx="114300" cy="114300"/>
+          </a:xfrm>
+          <a:prstGeom prst="ellipse">
+            <a:avLst/>
+          </a:prstGeom>
+        </p:spPr>
+        <p:style>
+          <a:lnRef idx="2">
+            <a:schemeClr val="accent1">
+              <a:shade val="15000"/>
+            </a:schemeClr>
+          </a:lnRef>
+          <a:fillRef idx="1">
+            <a:schemeClr val="accent1"/>
+          </a:fillRef>
+          <a:effectRef idx="0">
+            <a:schemeClr val="accent1"/>
+          </a:effectRef>
+          <a:fontRef idx="minor">
+            <a:schemeClr val="lt1"/>
+          </a:fontRef>
+        </p:style>
+        <p:txBody>
+          <a:bodyPr rtlCol="0" anchor="ctr"/>
+          <a:lstStyle/>
+          <a:p>
+            <a:pPr algn="ctr"/>
+            <a:endParaRPr lang="en-IN"/>
+          </a:p>
+        </p:txBody>
+      </p:sp>
+      <p:sp>
+        <p:nvSpPr>
+          <p:cNvPr id="29" name="TextBox 28">
+            <a:extLst>
+              <a:ext uri="{FF2B5EF4-FFF2-40B4-BE49-F238E27FC236}">
+                <a16:creationId xmlns:a16="http://schemas.microsoft.com/office/drawing/2014/main" id="{7C072F35-E1AD-38E6-0516-78448C8720EE}"/>
+              </a:ext>
+            </a:extLst>
+          </p:cNvPr>
+          <p:cNvSpPr txBox="1"/>
+          <p:nvPr/>
+        </p:nvSpPr>
+        <p:spPr>
+          <a:xfrm>
+            <a:off x="1628009" y="2370957"/>
+            <a:ext cx="582211" cy="307777"/>
+          </a:xfrm>
+          <a:prstGeom prst="rect">
+            <a:avLst/>
+          </a:prstGeom>
+          <a:noFill/>
+        </p:spPr>
+        <p:txBody>
+          <a:bodyPr wrap="none" rtlCol="0">
+            <a:spAutoFit/>
+          </a:bodyPr>
+          <a:lstStyle/>
+          <a:p>
+            <a:r>
+              <a:rPr lang="en-IN" b="1" dirty="0"/>
+              <a:t>2012</a:t>
+            </a:r>
+          </a:p>
+        </p:txBody>
+      </p:sp>
+      <p:sp>
+        <p:nvSpPr>
+          <p:cNvPr id="30" name="TextBox 29">
+            <a:extLst>
+              <a:ext uri="{FF2B5EF4-FFF2-40B4-BE49-F238E27FC236}">
+                <a16:creationId xmlns:a16="http://schemas.microsoft.com/office/drawing/2014/main" id="{B70D8B06-9DD0-23D5-C7DE-C3CCC11C2FCD}"/>
+              </a:ext>
+            </a:extLst>
+          </p:cNvPr>
+          <p:cNvSpPr txBox="1"/>
+          <p:nvPr/>
+        </p:nvSpPr>
+        <p:spPr>
+          <a:xfrm>
+            <a:off x="1624601" y="3207590"/>
+            <a:ext cx="582211" cy="307777"/>
+          </a:xfrm>
+          <a:prstGeom prst="rect">
+            <a:avLst/>
+          </a:prstGeom>
+          <a:noFill/>
+        </p:spPr>
+        <p:txBody>
+          <a:bodyPr wrap="none" rtlCol="0">
+            <a:spAutoFit/>
+          </a:bodyPr>
+          <a:lstStyle/>
+          <a:p>
+            <a:r>
+              <a:rPr lang="en-IN" b="1" dirty="0"/>
+              <a:t>2014</a:t>
+            </a:r>
+          </a:p>
+        </p:txBody>
+      </p:sp>
+      <p:sp>
+        <p:nvSpPr>
+          <p:cNvPr id="31" name="TextBox 30">
+            <a:extLst>
+              <a:ext uri="{FF2B5EF4-FFF2-40B4-BE49-F238E27FC236}">
+                <a16:creationId xmlns:a16="http://schemas.microsoft.com/office/drawing/2014/main" id="{F56AEAF2-5CF0-7F46-FDA8-C0E06BBBFC48}"/>
+              </a:ext>
+            </a:extLst>
+          </p:cNvPr>
+          <p:cNvSpPr txBox="1"/>
+          <p:nvPr/>
+        </p:nvSpPr>
+        <p:spPr>
+          <a:xfrm>
+            <a:off x="1624601" y="4239769"/>
+            <a:ext cx="582211" cy="307777"/>
+          </a:xfrm>
+          <a:prstGeom prst="rect">
+            <a:avLst/>
+          </a:prstGeom>
+          <a:noFill/>
+        </p:spPr>
+        <p:txBody>
+          <a:bodyPr wrap="none" rtlCol="0">
+            <a:spAutoFit/>
+          </a:bodyPr>
+          <a:lstStyle/>
+          <a:p>
+            <a:r>
+              <a:rPr lang="en-IN" b="1" dirty="0"/>
+              <a:t>2016</a:t>
+            </a:r>
+          </a:p>
+        </p:txBody>
+      </p:sp>
+      <p:sp>
+        <p:nvSpPr>
+          <p:cNvPr id="32" name="Oval 31">
+            <a:extLst>
+              <a:ext uri="{FF2B5EF4-FFF2-40B4-BE49-F238E27FC236}">
+                <a16:creationId xmlns:a16="http://schemas.microsoft.com/office/drawing/2014/main" id="{C2B7EF87-BC17-9B47-9160-0D1845CCBF91}"/>
+              </a:ext>
+            </a:extLst>
+          </p:cNvPr>
+          <p:cNvSpPr/>
+          <p:nvPr/>
+        </p:nvSpPr>
+        <p:spPr>
+          <a:xfrm>
+            <a:off x="1328559" y="3295769"/>
+            <a:ext cx="114300" cy="114300"/>
+          </a:xfrm>
+          <a:prstGeom prst="ellipse">
+            <a:avLst/>
+          </a:prstGeom>
+        </p:spPr>
+        <p:style>
+          <a:lnRef idx="2">
+            <a:schemeClr val="accent1">
+              <a:shade val="15000"/>
+            </a:schemeClr>
+          </a:lnRef>
+          <a:fillRef idx="1">
+            <a:schemeClr val="accent1"/>
+          </a:fillRef>
+          <a:effectRef idx="0">
+            <a:schemeClr val="accent1"/>
+          </a:effectRef>
+          <a:fontRef idx="minor">
+            <a:schemeClr val="lt1"/>
+          </a:fontRef>
+        </p:style>
+        <p:txBody>
+          <a:bodyPr rtlCol="0" anchor="ctr"/>
+          <a:lstStyle/>
+          <a:p>
+            <a:pPr algn="ctr"/>
+            <a:endParaRPr lang="en-IN"/>
+          </a:p>
+        </p:txBody>
+      </p:sp>
+      <p:sp>
+        <p:nvSpPr>
+          <p:cNvPr id="33" name="Oval 32">
+            <a:extLst>
+              <a:ext uri="{FF2B5EF4-FFF2-40B4-BE49-F238E27FC236}">
+                <a16:creationId xmlns:a16="http://schemas.microsoft.com/office/drawing/2014/main" id="{57D30ABA-A177-510B-C4A2-160ED278B462}"/>
+              </a:ext>
+            </a:extLst>
+          </p:cNvPr>
+          <p:cNvSpPr/>
+          <p:nvPr/>
+        </p:nvSpPr>
+        <p:spPr>
+          <a:xfrm>
+            <a:off x="1323569" y="4349536"/>
+            <a:ext cx="114300" cy="114300"/>
+          </a:xfrm>
+          <a:prstGeom prst="ellipse">
+            <a:avLst/>
+          </a:prstGeom>
+        </p:spPr>
+        <p:style>
+          <a:lnRef idx="2">
+            <a:schemeClr val="accent1">
+              <a:shade val="15000"/>
+            </a:schemeClr>
+          </a:lnRef>
+          <a:fillRef idx="1">
+            <a:schemeClr val="accent1"/>
+          </a:fillRef>
+          <a:effectRef idx="0">
+            <a:schemeClr val="accent1"/>
+          </a:effectRef>
+          <a:fontRef idx="minor">
+            <a:schemeClr val="lt1"/>
+          </a:fontRef>
+        </p:style>
+        <p:txBody>
+          <a:bodyPr rtlCol="0" anchor="ctr"/>
+          <a:lstStyle/>
+          <a:p>
+            <a:pPr algn="ctr"/>
+            <a:endParaRPr lang="en-IN"/>
+          </a:p>
+        </p:txBody>
+      </p:sp>
+      <p:cxnSp>
+        <p:nvCxnSpPr>
+          <p:cNvPr id="34" name="Straight Arrow Connector 33">
+            <a:extLst>
+              <a:ext uri="{FF2B5EF4-FFF2-40B4-BE49-F238E27FC236}">
+                <a16:creationId xmlns:a16="http://schemas.microsoft.com/office/drawing/2014/main" id="{971BB7C2-6685-9469-BFE3-5ACD6732C419}"/>
+              </a:ext>
+            </a:extLst>
+          </p:cNvPr>
+          <p:cNvCxnSpPr>
+            <a:cxnSpLocks/>
+          </p:cNvCxnSpPr>
+          <p:nvPr/>
+        </p:nvCxnSpPr>
+        <p:spPr>
+          <a:xfrm>
+            <a:off x="2356338" y="2524845"/>
+            <a:ext cx="1424354" cy="0"/>
+          </a:xfrm>
+          <a:prstGeom prst="straightConnector1">
+            <a:avLst/>
+          </a:prstGeom>
+          <a:ln>
+            <a:tailEnd type="triangle"/>
+          </a:ln>
+        </p:spPr>
+        <p:style>
+          <a:lnRef idx="1">
+            <a:schemeClr val="accent1"/>
+          </a:lnRef>
+          <a:fillRef idx="0">
+            <a:schemeClr val="accent1"/>
+          </a:fillRef>
+          <a:effectRef idx="0">
+            <a:schemeClr val="accent1"/>
+          </a:effectRef>
+          <a:fontRef idx="minor">
+            <a:schemeClr val="tx1"/>
+          </a:fontRef>
+        </p:style>
+      </p:cxnSp>
+      <p:cxnSp>
+        <p:nvCxnSpPr>
+          <p:cNvPr id="35" name="Straight Arrow Connector 34">
+            <a:extLst>
+              <a:ext uri="{FF2B5EF4-FFF2-40B4-BE49-F238E27FC236}">
+                <a16:creationId xmlns:a16="http://schemas.microsoft.com/office/drawing/2014/main" id="{37BE5A05-9479-338F-707A-6DEE621F7BF6}"/>
+              </a:ext>
+            </a:extLst>
+          </p:cNvPr>
+          <p:cNvCxnSpPr>
+            <a:cxnSpLocks/>
+          </p:cNvCxnSpPr>
+          <p:nvPr/>
+        </p:nvCxnSpPr>
+        <p:spPr>
+          <a:xfrm>
+            <a:off x="2356338" y="3352919"/>
+            <a:ext cx="1424354" cy="0"/>
+          </a:xfrm>
+          <a:prstGeom prst="straightConnector1">
+            <a:avLst/>
+          </a:prstGeom>
+          <a:ln>
+            <a:tailEnd type="triangle"/>
+          </a:ln>
+        </p:spPr>
+        <p:style>
+          <a:lnRef idx="1">
+            <a:schemeClr val="accent1"/>
+          </a:lnRef>
+          <a:fillRef idx="0">
+            <a:schemeClr val="accent1"/>
+          </a:fillRef>
+          <a:effectRef idx="0">
+            <a:schemeClr val="accent1"/>
+          </a:effectRef>
+          <a:fontRef idx="minor">
+            <a:schemeClr val="tx1"/>
+          </a:fontRef>
+        </p:style>
+      </p:cxnSp>
+      <p:cxnSp>
+        <p:nvCxnSpPr>
+          <p:cNvPr id="36" name="Straight Arrow Connector 35">
+            <a:extLst>
+              <a:ext uri="{FF2B5EF4-FFF2-40B4-BE49-F238E27FC236}">
+                <a16:creationId xmlns:a16="http://schemas.microsoft.com/office/drawing/2014/main" id="{38BCFCA5-0E16-1ABD-2033-C069B957FDC6}"/>
+              </a:ext>
+            </a:extLst>
+          </p:cNvPr>
+          <p:cNvCxnSpPr>
+            <a:cxnSpLocks/>
+          </p:cNvCxnSpPr>
+          <p:nvPr/>
+        </p:nvCxnSpPr>
+        <p:spPr>
+          <a:xfrm>
+            <a:off x="2356338" y="4362075"/>
+            <a:ext cx="1424354" cy="0"/>
+          </a:xfrm>
+          <a:prstGeom prst="straightConnector1">
+            <a:avLst/>
+          </a:prstGeom>
+          <a:ln>
+            <a:tailEnd type="triangle"/>
+          </a:ln>
+        </p:spPr>
+        <p:style>
+          <a:lnRef idx="1">
+            <a:schemeClr val="accent1"/>
+          </a:lnRef>
+          <a:fillRef idx="0">
+            <a:schemeClr val="accent1"/>
+          </a:fillRef>
+          <a:effectRef idx="0">
+            <a:schemeClr val="accent1"/>
+          </a:effectRef>
+          <a:fontRef idx="minor">
+            <a:schemeClr val="tx1"/>
+          </a:fontRef>
+        </p:style>
+      </p:cxnSp>
+    </p:spTree>
+  </p:cSld>
+  <p:clrMapOvr>
+    <a:masterClrMapping/>
+  </p:clrMapOvr>
+</p:sld>
+</file>
+
+<file path=ppt/slides/slide4.xml><?xml version="1.0" encoding="utf-8"?>
 <p:sld xmlns:a="http://schemas.openxmlformats.org/drawingml/2006/main" xmlns:r="http://schemas.openxmlformats.org/officeDocument/2006/relationships" xmlns:p="http://schemas.openxmlformats.org/presentationml/2006/main">
   <p:cSld>
     <p:spTree>
@@ -24649,10 +26392,10 @@
               <a:buNone/>
             </a:pPr>
             <a:r>
-              <a:rPr lang="en-US"/>
+              <a:rPr lang="en-US" dirty="0"/>
               <a:t>1/1/2023</a:t>
             </a:r>
-            <a:endParaRPr/>
+            <a:endParaRPr dirty="0"/>
           </a:p>
         </p:txBody>
       </p:sp>
@@ -24742,7 +26485,7 @@
             </a:pPr>
             <a:fld id="{00000000-1234-1234-1234-123412341234}" type="slidenum">
               <a:rPr lang="en-US"/>
-              <a:t>3</a:t>
+              <a:t>4</a:t>
             </a:fld>
             <a:endParaRPr/>
           </a:p>
@@ -24866,8 +26609,8 @@
         </p:nvSpPr>
         <p:spPr>
           <a:xfrm flipH="1">
-            <a:off x="830742" y="1753435"/>
-            <a:ext cx="9207337" cy="2666165"/>
+            <a:off x="830741" y="1753435"/>
+            <a:ext cx="9207337" cy="3627457"/>
           </a:xfrm>
           <a:prstGeom prst="rect">
             <a:avLst/>
@@ -24883,7 +26626,7 @@
           </a:bodyPr>
           <a:lstStyle/>
           <a:p>
-            <a:pPr marL="0" lvl="0" indent="0" algn="l" rtl="0">
+            <a:pPr marL="342900" lvl="0" indent="-342900" algn="l" rtl="0">
               <a:lnSpc>
                 <a:spcPct val="90000"/>
               </a:lnSpc>
@@ -24897,11 +26640,196 @@
                 <a:schemeClr val="dk1"/>
               </a:buClr>
               <a:buSzPts val="2400"/>
-              <a:buNone/>
+              <a:buFont typeface="Wingdings" panose="05000000000000000000" pitchFamily="2" charset="2"/>
+              <a:buChar char="v"/>
             </a:pPr>
             <a:r>
               <a:rPr lang="en-US" dirty="0"/>
-              <a:t>Department wise &amp; Gender</a:t>
+              <a:t>Years</a:t>
+            </a:r>
+          </a:p>
+          <a:p>
+            <a:pPr marL="342900" lvl="0" indent="-342900" algn="l" rtl="0">
+              <a:lnSpc>
+                <a:spcPct val="90000"/>
+              </a:lnSpc>
+              <a:spcBef>
+                <a:spcPts val="0"/>
+              </a:spcBef>
+              <a:spcAft>
+                <a:spcPts val="0"/>
+              </a:spcAft>
+              <a:buClr>
+                <a:schemeClr val="dk1"/>
+              </a:buClr>
+              <a:buSzPts val="2400"/>
+              <a:buFont typeface="Wingdings" panose="05000000000000000000" pitchFamily="2" charset="2"/>
+              <a:buChar char="v"/>
+            </a:pPr>
+            <a:r>
+              <a:rPr lang="en-US" dirty="0"/>
+              <a:t>Months</a:t>
+            </a:r>
+          </a:p>
+          <a:p>
+            <a:pPr marL="342900" lvl="0" indent="-342900" algn="l" rtl="0">
+              <a:lnSpc>
+                <a:spcPct val="90000"/>
+              </a:lnSpc>
+              <a:spcBef>
+                <a:spcPts val="0"/>
+              </a:spcBef>
+              <a:spcAft>
+                <a:spcPts val="0"/>
+              </a:spcAft>
+              <a:buClr>
+                <a:schemeClr val="dk1"/>
+              </a:buClr>
+              <a:buSzPts val="2400"/>
+              <a:buFont typeface="Wingdings" panose="05000000000000000000" pitchFamily="2" charset="2"/>
+              <a:buChar char="v"/>
+            </a:pPr>
+            <a:r>
+              <a:rPr lang="en-US" dirty="0"/>
+              <a:t>Mode of Purchasing</a:t>
+            </a:r>
+          </a:p>
+          <a:p>
+            <a:pPr marL="342900" lvl="0" indent="-342900" algn="l" rtl="0">
+              <a:lnSpc>
+                <a:spcPct val="90000"/>
+              </a:lnSpc>
+              <a:spcBef>
+                <a:spcPts val="0"/>
+              </a:spcBef>
+              <a:spcAft>
+                <a:spcPts val="0"/>
+              </a:spcAft>
+              <a:buClr>
+                <a:schemeClr val="dk1"/>
+              </a:buClr>
+              <a:buSzPts val="2400"/>
+              <a:buFont typeface="Wingdings" panose="05000000000000000000" pitchFamily="2" charset="2"/>
+              <a:buChar char="v"/>
+            </a:pPr>
+            <a:r>
+              <a:rPr lang="en-US" dirty="0"/>
+              <a:t>Distribution of items by Regions</a:t>
+            </a:r>
+          </a:p>
+          <a:p>
+            <a:pPr marL="342900" lvl="0" indent="-342900" algn="l" rtl="0">
+              <a:lnSpc>
+                <a:spcPct val="90000"/>
+              </a:lnSpc>
+              <a:spcBef>
+                <a:spcPts val="0"/>
+              </a:spcBef>
+              <a:spcAft>
+                <a:spcPts val="0"/>
+              </a:spcAft>
+              <a:buClr>
+                <a:schemeClr val="dk1"/>
+              </a:buClr>
+              <a:buSzPts val="2400"/>
+              <a:buFont typeface="Wingdings" panose="05000000000000000000" pitchFamily="2" charset="2"/>
+              <a:buChar char="v"/>
+            </a:pPr>
+            <a:r>
+              <a:rPr lang="en-US" dirty="0"/>
+              <a:t>Items Sold in Various Regions</a:t>
+            </a:r>
+          </a:p>
+          <a:p>
+            <a:pPr marL="342900" lvl="0" indent="-342900" algn="l" rtl="0">
+              <a:lnSpc>
+                <a:spcPct val="90000"/>
+              </a:lnSpc>
+              <a:spcBef>
+                <a:spcPts val="0"/>
+              </a:spcBef>
+              <a:spcAft>
+                <a:spcPts val="0"/>
+              </a:spcAft>
+              <a:buClr>
+                <a:schemeClr val="dk1"/>
+              </a:buClr>
+              <a:buSzPts val="2400"/>
+              <a:buFont typeface="Wingdings" panose="05000000000000000000" pitchFamily="2" charset="2"/>
+              <a:buChar char="v"/>
+            </a:pPr>
+            <a:r>
+              <a:rPr lang="en-US" dirty="0"/>
+              <a:t>Order Priority By Year</a:t>
+            </a:r>
+          </a:p>
+          <a:p>
+            <a:pPr marL="342900" lvl="0" indent="-342900" algn="l" rtl="0">
+              <a:lnSpc>
+                <a:spcPct val="90000"/>
+              </a:lnSpc>
+              <a:spcBef>
+                <a:spcPts val="0"/>
+              </a:spcBef>
+              <a:spcAft>
+                <a:spcPts val="0"/>
+              </a:spcAft>
+              <a:buClr>
+                <a:schemeClr val="dk1"/>
+              </a:buClr>
+              <a:buSzPts val="2400"/>
+              <a:buFont typeface="Wingdings" panose="05000000000000000000" pitchFamily="2" charset="2"/>
+              <a:buChar char="v"/>
+            </a:pPr>
+            <a:r>
+              <a:rPr lang="en-US" dirty="0"/>
+              <a:t>Total Profit By Year</a:t>
+            </a:r>
+          </a:p>
+          <a:p>
+            <a:pPr marL="342900" lvl="0" indent="-342900" algn="l" rtl="0">
+              <a:lnSpc>
+                <a:spcPct val="90000"/>
+              </a:lnSpc>
+              <a:spcBef>
+                <a:spcPts val="0"/>
+              </a:spcBef>
+              <a:spcAft>
+                <a:spcPts val="0"/>
+              </a:spcAft>
+              <a:buClr>
+                <a:schemeClr val="dk1"/>
+              </a:buClr>
+              <a:buSzPts val="2400"/>
+              <a:buFont typeface="Wingdings" panose="05000000000000000000" pitchFamily="2" charset="2"/>
+              <a:buChar char="v"/>
+            </a:pPr>
+            <a:r>
+              <a:rPr lang="en-US" dirty="0"/>
+              <a:t>Region </a:t>
+            </a:r>
+          </a:p>
+          <a:p>
+            <a:pPr marL="342900" lvl="0" indent="-342900" algn="l" rtl="0">
+              <a:lnSpc>
+                <a:spcPct val="90000"/>
+              </a:lnSpc>
+              <a:spcBef>
+                <a:spcPts val="0"/>
+              </a:spcBef>
+              <a:spcAft>
+                <a:spcPts val="0"/>
+              </a:spcAft>
+              <a:buClr>
+                <a:schemeClr val="dk1"/>
+              </a:buClr>
+              <a:buSzPts val="2400"/>
+              <a:buFont typeface="Wingdings" panose="05000000000000000000" pitchFamily="2" charset="2"/>
+              <a:buChar char="v"/>
+            </a:pPr>
+            <a:r>
+              <a:rPr lang="en-US" dirty="0"/>
+              <a:t>Country</a:t>
             </a:r>
             <a:endParaRPr dirty="0"/>
           </a:p>
@@ -24922,76 +26850,6 @@
               <a:buSzPts val="2400"/>
               <a:buNone/>
             </a:pPr>
-            <a:r>
-              <a:rPr lang="en-IN" dirty="0"/>
-              <a:t>Attrition by Education</a:t>
-            </a:r>
-          </a:p>
-          <a:p>
-            <a:pPr marL="0" lvl="0" indent="0" algn="l" rtl="0">
-              <a:lnSpc>
-                <a:spcPct val="90000"/>
-              </a:lnSpc>
-              <a:spcBef>
-                <a:spcPts val="1000"/>
-              </a:spcBef>
-              <a:spcAft>
-                <a:spcPts val="0"/>
-              </a:spcAft>
-              <a:buClr>
-                <a:schemeClr val="dk1"/>
-              </a:buClr>
-              <a:buSzPts val="2400"/>
-              <a:buNone/>
-            </a:pPr>
-            <a:r>
-              <a:rPr lang="en-IN" dirty="0"/>
-              <a:t>Attrition by salary</a:t>
-            </a:r>
-          </a:p>
-          <a:p>
-            <a:pPr marL="0" lvl="0" indent="0" algn="l" rtl="0">
-              <a:lnSpc>
-                <a:spcPct val="90000"/>
-              </a:lnSpc>
-              <a:spcBef>
-                <a:spcPts val="1000"/>
-              </a:spcBef>
-              <a:spcAft>
-                <a:spcPts val="0"/>
-              </a:spcAft>
-              <a:buClr>
-                <a:schemeClr val="dk1"/>
-              </a:buClr>
-              <a:buSzPts val="2400"/>
-              <a:buNone/>
-            </a:pPr>
-            <a:r>
-              <a:rPr lang="en-IN" dirty="0"/>
-              <a:t>Attrition by Age &amp; Age-Group</a:t>
-            </a:r>
-          </a:p>
-          <a:p>
-            <a:pPr marL="0" lvl="0" indent="0" algn="l" rtl="0">
-              <a:lnSpc>
-                <a:spcPct val="90000"/>
-              </a:lnSpc>
-              <a:spcBef>
-                <a:spcPts val="1000"/>
-              </a:spcBef>
-              <a:spcAft>
-                <a:spcPts val="0"/>
-              </a:spcAft>
-              <a:buClr>
-                <a:schemeClr val="dk1"/>
-              </a:buClr>
-              <a:buSzPts val="2400"/>
-              <a:buNone/>
-            </a:pPr>
-            <a:r>
-              <a:rPr lang="en-IN" dirty="0"/>
-              <a:t>Attrition by Job-Role</a:t>
-            </a:r>
             <a:endParaRPr dirty="0"/>
           </a:p>
         </p:txBody>
@@ -25004,7 +26862,7 @@
 </p:sld>
 </file>
 
-<file path=ppt/slides/slide4.xml><?xml version="1.0" encoding="utf-8"?>
+<file path=ppt/slides/slide5.xml><?xml version="1.0" encoding="utf-8"?>
 <p:sld xmlns:a="http://schemas.openxmlformats.org/drawingml/2006/main" xmlns:r="http://schemas.openxmlformats.org/officeDocument/2006/relationships" xmlns:p="http://schemas.openxmlformats.org/presentationml/2006/main">
   <p:cSld>
     <p:spTree>
@@ -25207,7 +27065,7 @@
             </a:pPr>
             <a:fld id="{00000000-1234-1234-1234-123412341234}" type="slidenum">
               <a:rPr lang="en-US"/>
-              <a:t>4</a:t>
+              <a:t>5</a:t>
             </a:fld>
             <a:endParaRPr/>
           </a:p>
@@ -25215,10 +27073,10 @@
       </p:sp>
       <p:pic>
         <p:nvPicPr>
-          <p:cNvPr id="5" name="Picture 4">
+          <p:cNvPr id="3" name="Picture 2">
             <a:extLst>
               <a:ext uri="{FF2B5EF4-FFF2-40B4-BE49-F238E27FC236}">
-                <a16:creationId xmlns:a16="http://schemas.microsoft.com/office/drawing/2014/main" id="{8928E418-A7A5-B28B-1C2B-52E2F1DDF078}"/>
+                <a16:creationId xmlns:a16="http://schemas.microsoft.com/office/drawing/2014/main" id="{FD4154F1-9E6F-72A3-39E6-606DE0D63015}"/>
               </a:ext>
             </a:extLst>
           </p:cNvPr>
@@ -25235,8 +27093,8 @@
         </p:blipFill>
         <p:spPr>
           <a:xfrm>
-            <a:off x="4155471" y="343373"/>
-            <a:ext cx="4267561" cy="2406145"/>
+            <a:off x="4203993" y="279811"/>
+            <a:ext cx="4841689" cy="2778249"/>
           </a:xfrm>
           <a:prstGeom prst="rect">
             <a:avLst/>
@@ -25245,10 +27103,10 @@
       </p:pic>
       <p:pic>
         <p:nvPicPr>
-          <p:cNvPr id="11" name="Picture 10">
+          <p:cNvPr id="7" name="Picture 6">
             <a:extLst>
               <a:ext uri="{FF2B5EF4-FFF2-40B4-BE49-F238E27FC236}">
-                <a16:creationId xmlns:a16="http://schemas.microsoft.com/office/drawing/2014/main" id="{45A36DEA-C641-E3DF-C92A-8DB4266AC801}"/>
+                <a16:creationId xmlns:a16="http://schemas.microsoft.com/office/drawing/2014/main" id="{B2D706ED-4700-E176-B37D-1C45E2788211}"/>
               </a:ext>
             </a:extLst>
           </p:cNvPr>
@@ -25265,8 +27123,8 @@
         </p:blipFill>
         <p:spPr>
           <a:xfrm>
-            <a:off x="6995386" y="3079843"/>
-            <a:ext cx="4274375" cy="2402589"/>
+            <a:off x="5686840" y="3429000"/>
+            <a:ext cx="4809574" cy="2767873"/>
           </a:xfrm>
           <a:prstGeom prst="rect">
             <a:avLst/>
@@ -25275,10 +27133,10 @@
       </p:pic>
       <p:pic>
         <p:nvPicPr>
-          <p:cNvPr id="13" name="Picture 12">
+          <p:cNvPr id="9" name="Picture 8">
             <a:extLst>
               <a:ext uri="{FF2B5EF4-FFF2-40B4-BE49-F238E27FC236}">
-                <a16:creationId xmlns:a16="http://schemas.microsoft.com/office/drawing/2014/main" id="{79E0F9D6-18BE-F40D-7605-71542984BA73}"/>
+                <a16:creationId xmlns:a16="http://schemas.microsoft.com/office/drawing/2014/main" id="{1DCE63D2-7D2C-ECE7-F248-D97CF4E838A2}"/>
               </a:ext>
             </a:extLst>
           </p:cNvPr>
@@ -25295,8 +27153,8 @@
         </p:blipFill>
         <p:spPr>
           <a:xfrm>
-            <a:off x="1289180" y="3069918"/>
-            <a:ext cx="4305602" cy="2412514"/>
+            <a:off x="651901" y="3436016"/>
+            <a:ext cx="4809574" cy="2760857"/>
           </a:xfrm>
           <a:prstGeom prst="rect">
             <a:avLst/>
@@ -25311,7 +27169,7 @@
 </p:sld>
 </file>
 
-<file path=ppt/slides/slide5.xml><?xml version="1.0" encoding="utf-8"?>
+<file path=ppt/slides/slide6.xml><?xml version="1.0" encoding="utf-8"?>
 <p:sld xmlns:a="http://schemas.openxmlformats.org/drawingml/2006/main" xmlns:r="http://schemas.openxmlformats.org/officeDocument/2006/relationships" xmlns:p="http://schemas.openxmlformats.org/presentationml/2006/main">
   <p:cSld>
     <p:spTree>
